--- a/documents/slides/RecommendedIO_Tensorflow_06152018.pptx
+++ b/documents/slides/RecommendedIO_Tensorflow_06152018.pptx
@@ -181,7 +181,7 @@
 </file>
 
 <file path=ppt/charts/chart1.xml><?xml version="1.0" encoding="utf-8"?>
-<c:chartSpace xmlns:c="http://schemas.openxmlformats.org/drawingml/2006/chart" xmlns:a="http://schemas.openxmlformats.org/drawingml/2006/main" xmlns:r="http://schemas.openxmlformats.org/officeDocument/2006/relationships" xmlns:c16r2="http://schemas.microsoft.com/office/drawing/2015/06/chart">
+<c:chartSpace xmlns:c="http://schemas.openxmlformats.org/drawingml/2006/chart" xmlns:a="http://schemas.openxmlformats.org/drawingml/2006/main" xmlns:r="http://schemas.openxmlformats.org/officeDocument/2006/relationships">
   <c:date1904 val="0"/>
   <c:lang val="en-US"/>
   <c:roundedCorners val="0"/>
@@ -293,7 +293,7 @@
             <c:showPercent val="0"/>
             <c:showBubbleSize val="0"/>
             <c:showLeaderLines val="0"/>
-            <c:extLst>
+            <c:extLst xmlns:c16r2="http://schemas.microsoft.com/office/drawing/2015/06/chart">
               <c:ext xmlns:c15="http://schemas.microsoft.com/office/drawing/2012/chart" uri="{CE6537A1-D6FC-4f65-9D91-7224C49458BB}">
                 <c15:showLeaderLines val="1"/>
                 <c15:leaderLines>
@@ -367,7 +367,7 @@
               </c:numCache>
             </c:numRef>
           </c:val>
-          <c:extLst>
+          <c:extLst xmlns:c16r2="http://schemas.microsoft.com/office/drawing/2015/06/chart">
             <c:ext xmlns:c16="http://schemas.microsoft.com/office/drawing/2014/chart" uri="{C3380CC4-5D6E-409C-BE32-E72D297353CC}">
               <c16:uniqueId val="{00000000-838B-0145-8AF3-CCC80942EB80}"/>
             </c:ext>
@@ -384,11 +384,11 @@
         </c:dLbls>
         <c:gapWidth val="219"/>
         <c:overlap val="-27"/>
-        <c:axId val="1453515711"/>
-        <c:axId val="1453517391"/>
+        <c:axId val="473246856"/>
+        <c:axId val="473246072"/>
       </c:barChart>
       <c:catAx>
-        <c:axId val="1453515711"/>
+        <c:axId val="473246856"/>
         <c:scaling>
           <c:orientation val="minMax"/>
         </c:scaling>
@@ -486,7 +486,7 @@
             <a:endParaRPr lang="en-US"/>
           </a:p>
         </c:txPr>
-        <c:crossAx val="1453517391"/>
+        <c:crossAx val="473246072"/>
         <c:crosses val="autoZero"/>
         <c:auto val="1"/>
         <c:lblAlgn val="ctr"/>
@@ -494,7 +494,7 @@
         <c:noMultiLvlLbl val="0"/>
       </c:catAx>
       <c:valAx>
-        <c:axId val="1453517391"/>
+        <c:axId val="473246072"/>
         <c:scaling>
           <c:orientation val="minMax"/>
         </c:scaling>
@@ -600,7 +600,7 @@
             <a:endParaRPr lang="en-US"/>
           </a:p>
         </c:txPr>
-        <c:crossAx val="1453515711"/>
+        <c:crossAx val="473246856"/>
         <c:crosses val="autoZero"/>
         <c:crossBetween val="between"/>
       </c:valAx>
@@ -614,14 +614,14 @@
     </c:plotArea>
     <c:plotVisOnly val="1"/>
     <c:dispBlanksAs val="gap"/>
-    <c:extLst>
+    <c:showDLblsOverMax val="0"/>
+    <c:extLst xmlns:c16r2="http://schemas.microsoft.com/office/drawing/2015/06/chart">
       <c:ext xmlns:c16r3="http://schemas.microsoft.com/office/drawing/2017/03/chart" uri="{56B9EC1D-385E-4148-901F-78D8002777C0}">
         <c16r3:dataDisplayOptions16>
           <c16r3:dispNaAsBlank val="1"/>
         </c16r3:dataDisplayOptions16>
       </c:ext>
     </c:extLst>
-    <c:showDLblsOverMax val="0"/>
   </c:chart>
   <c:spPr>
     <a:noFill/>
@@ -648,7 +648,7 @@
 </file>
 
 <file path=ppt/charts/chart2.xml><?xml version="1.0" encoding="utf-8"?>
-<c:chartSpace xmlns:c="http://schemas.openxmlformats.org/drawingml/2006/chart" xmlns:a="http://schemas.openxmlformats.org/drawingml/2006/main" xmlns:r="http://schemas.openxmlformats.org/officeDocument/2006/relationships" xmlns:c16r2="http://schemas.microsoft.com/office/drawing/2015/06/chart">
+<c:chartSpace xmlns:c="http://schemas.openxmlformats.org/drawingml/2006/chart" xmlns:a="http://schemas.openxmlformats.org/drawingml/2006/main" xmlns:r="http://schemas.openxmlformats.org/officeDocument/2006/relationships">
   <c:date1904 val="0"/>
   <c:lang val="en-US"/>
   <c:roundedCorners val="0"/>
@@ -760,7 +760,7 @@
             <c:showPercent val="0"/>
             <c:showBubbleSize val="0"/>
             <c:showLeaderLines val="0"/>
-            <c:extLst>
+            <c:extLst xmlns:c16r2="http://schemas.microsoft.com/office/drawing/2015/06/chart">
               <c:ext xmlns:c15="http://schemas.microsoft.com/office/drawing/2012/chart" uri="{CE6537A1-D6FC-4f65-9D91-7224C49458BB}">
                 <c15:showLeaderLines val="1"/>
                 <c15:leaderLines>
@@ -822,7 +822,7 @@
               </c:numCache>
             </c:numRef>
           </c:val>
-          <c:extLst>
+          <c:extLst xmlns:c16r2="http://schemas.microsoft.com/office/drawing/2015/06/chart">
             <c:ext xmlns:c16="http://schemas.microsoft.com/office/drawing/2014/chart" uri="{C3380CC4-5D6E-409C-BE32-E72D297353CC}">
               <c16:uniqueId val="{00000000-C16B-3C43-85F8-E69031F2DBE8}"/>
             </c:ext>
@@ -839,11 +839,11 @@
         </c:dLbls>
         <c:gapWidth val="219"/>
         <c:overlap val="-27"/>
-        <c:axId val="1456595855"/>
-        <c:axId val="1456597535"/>
+        <c:axId val="473247640"/>
+        <c:axId val="473248816"/>
       </c:barChart>
       <c:catAx>
-        <c:axId val="1456595855"/>
+        <c:axId val="473247640"/>
         <c:scaling>
           <c:orientation val="minMax"/>
         </c:scaling>
@@ -941,7 +941,7 @@
             <a:endParaRPr lang="en-US"/>
           </a:p>
         </c:txPr>
-        <c:crossAx val="1456597535"/>
+        <c:crossAx val="473248816"/>
         <c:crosses val="autoZero"/>
         <c:auto val="1"/>
         <c:lblAlgn val="ctr"/>
@@ -949,7 +949,7 @@
         <c:noMultiLvlLbl val="0"/>
       </c:catAx>
       <c:valAx>
-        <c:axId val="1456597535"/>
+        <c:axId val="473248816"/>
         <c:scaling>
           <c:orientation val="minMax"/>
         </c:scaling>
@@ -1064,7 +1064,7 @@
             <a:endParaRPr lang="en-US"/>
           </a:p>
         </c:txPr>
-        <c:crossAx val="1456595855"/>
+        <c:crossAx val="473247640"/>
         <c:crosses val="autoZero"/>
         <c:crossBetween val="between"/>
       </c:valAx>
@@ -2205,7 +2205,7 @@
         <cdr:cNvPr id="2" name="TextBox 1">
           <a:extLst xmlns:a="http://schemas.openxmlformats.org/drawingml/2006/main">
             <a:ext uri="{FF2B5EF4-FFF2-40B4-BE49-F238E27FC236}">
-              <a16:creationId xmlns:a16="http://schemas.microsoft.com/office/drawing/2014/main" id="{010BD722-78A3-5F4A-8201-EC434DC8A69D}"/>
+              <a16:creationId xmlns:a16="http://schemas.microsoft.com/office/drawing/2014/main" xmlns="" id="{010BD722-78A3-5F4A-8201-EC434DC8A69D}"/>
             </a:ext>
           </a:extLst>
         </cdr:cNvPr>
@@ -2324,7 +2324,7 @@
             <a:fld id="{EA3D68A3-9B80-584C-9BEB-F8B43CF5A651}" type="datetime1">
               <a:rPr lang="en-US" sz="900" smtClean="0"/>
               <a:pPr/>
-              <a:t>6/15/18</a:t>
+              <a:t>8/16/2018</a:t>
             </a:fld>
             <a:endParaRPr lang="en-US" sz="900"/>
           </a:p>
@@ -2495,7 +2495,7 @@
             <a:fld id="{39FEAFF0-7375-1D4A-A389-D6238357B121}" type="datetime1">
               <a:rPr lang="en-US" smtClean="0"/>
               <a:pPr/>
-              <a:t>6/15/18</a:t>
+              <a:t>8/16/2018</a:t>
             </a:fld>
             <a:endParaRPr lang="en-US"/>
           </a:p>
@@ -2898,7 +2898,7 @@
             <a:fld id="{39FEAFF0-7375-1D4A-A389-D6238357B121}" type="datetime1">
               <a:rPr lang="en-US" smtClean="0"/>
               <a:pPr/>
-              <a:t>6/15/18</a:t>
+              <a:t>8/16/2018</a:t>
             </a:fld>
             <a:endParaRPr lang="en-US"/>
           </a:p>
@@ -3029,7 +3029,7 @@
             <a:fld id="{39FEAFF0-7375-1D4A-A389-D6238357B121}" type="datetime1">
               <a:rPr lang="en-US" smtClean="0"/>
               <a:pPr/>
-              <a:t>6/15/18</a:t>
+              <a:t>8/16/2018</a:t>
             </a:fld>
             <a:endParaRPr lang="en-US"/>
           </a:p>
@@ -3245,7 +3245,7 @@
             <a:fld id="{39FEAFF0-7375-1D4A-A389-D6238357B121}" type="datetime1">
               <a:rPr lang="en-US" smtClean="0"/>
               <a:pPr/>
-              <a:t>6/15/18</a:t>
+              <a:t>8/16/2018</a:t>
             </a:fld>
             <a:endParaRPr lang="en-US"/>
           </a:p>
@@ -3376,7 +3376,7 @@
             <a:fld id="{39FEAFF0-7375-1D4A-A389-D6238357B121}" type="datetime1">
               <a:rPr lang="en-US" smtClean="0"/>
               <a:pPr/>
-              <a:t>6/15/18</a:t>
+              <a:t>8/16/2018</a:t>
             </a:fld>
             <a:endParaRPr lang="en-US"/>
           </a:p>
@@ -3507,7 +3507,7 @@
             <a:fld id="{39FEAFF0-7375-1D4A-A389-D6238357B121}" type="datetime1">
               <a:rPr lang="en-US" smtClean="0"/>
               <a:pPr/>
-              <a:t>6/15/18</a:t>
+              <a:t>8/16/2018</a:t>
             </a:fld>
             <a:endParaRPr lang="en-US"/>
           </a:p>
@@ -3638,7 +3638,7 @@
             <a:fld id="{39FEAFF0-7375-1D4A-A389-D6238357B121}" type="datetime1">
               <a:rPr lang="en-US" smtClean="0"/>
               <a:pPr/>
-              <a:t>6/15/18</a:t>
+              <a:t>8/16/2018</a:t>
             </a:fld>
             <a:endParaRPr lang="en-US"/>
           </a:p>
@@ -3939,7 +3939,7 @@
             <a:fld id="{39FEAFF0-7375-1D4A-A389-D6238357B121}" type="datetime1">
               <a:rPr lang="en-US" smtClean="0"/>
               <a:pPr/>
-              <a:t>6/15/18</a:t>
+              <a:t>8/16/2018</a:t>
             </a:fld>
             <a:endParaRPr lang="en-US"/>
           </a:p>
@@ -4070,7 +4070,7 @@
             <a:fld id="{39FEAFF0-7375-1D4A-A389-D6238357B121}" type="datetime1">
               <a:rPr lang="en-US" smtClean="0"/>
               <a:pPr/>
-              <a:t>6/15/18</a:t>
+              <a:t>8/16/2018</a:t>
             </a:fld>
             <a:endParaRPr lang="en-US"/>
           </a:p>
@@ -4541,7 +4541,7 @@
             <a:fld id="{39FEAFF0-7375-1D4A-A389-D6238357B121}" type="datetime1">
               <a:rPr lang="en-US" smtClean="0"/>
               <a:pPr/>
-              <a:t>6/15/18</a:t>
+              <a:t>8/16/2018</a:t>
             </a:fld>
             <a:endParaRPr lang="en-US"/>
           </a:p>
@@ -4948,7 +4948,7 @@
             <a:fld id="{D897A66F-DFB6-CB44-8B31-7FAB7C20B0C7}" type="datetime4">
               <a:rPr lang="en-US" smtClean="0"/>
               <a:pPr/>
-              <a:t>June 15, 2018</a:t>
+              <a:t>August 16, 2018</a:t>
             </a:fld>
             <a:endParaRPr lang="en-US" dirty="0"/>
           </a:p>
@@ -9396,7 +9396,12 @@
             <p:ph type="title"/>
           </p:nvPr>
         </p:nvSpPr>
-        <p:spPr/>
+        <p:spPr>
+          <a:xfrm>
+            <a:off x="360342" y="134902"/>
+            <a:ext cx="7327750" cy="577109"/>
+          </a:xfrm>
+        </p:spPr>
         <p:txBody>
           <a:bodyPr>
             <a:normAutofit/>
@@ -9443,7 +9448,7 @@
           <p:cNvPr id="6" name="Rectangle 5">
             <a:extLst>
               <a:ext uri="{FF2B5EF4-FFF2-40B4-BE49-F238E27FC236}">
-                <a16:creationId xmlns:a16="http://schemas.microsoft.com/office/drawing/2014/main" id="{FEF3F0DC-F6DF-2F4B-98DC-5136E6000BEC}"/>
+                <a16:creationId xmlns:a16="http://schemas.microsoft.com/office/drawing/2014/main" xmlns="" id="{FEF3F0DC-F6DF-2F4B-98DC-5136E6000BEC}"/>
               </a:ext>
             </a:extLst>
           </p:cNvPr>
@@ -9503,7 +9508,7 @@
           <p:cNvPr id="10" name="Rectangle 9">
             <a:extLst>
               <a:ext uri="{FF2B5EF4-FFF2-40B4-BE49-F238E27FC236}">
-                <a16:creationId xmlns:a16="http://schemas.microsoft.com/office/drawing/2014/main" id="{5A81EC3A-273E-0143-854A-4D16850F752D}"/>
+                <a16:creationId xmlns:a16="http://schemas.microsoft.com/office/drawing/2014/main" xmlns="" id="{5A81EC3A-273E-0143-854A-4D16850F752D}"/>
               </a:ext>
             </a:extLst>
           </p:cNvPr>
@@ -9551,7 +9556,7 @@
           <p:cNvPr id="11" name="Rectangle 10">
             <a:extLst>
               <a:ext uri="{FF2B5EF4-FFF2-40B4-BE49-F238E27FC236}">
-                <a16:creationId xmlns:a16="http://schemas.microsoft.com/office/drawing/2014/main" id="{94C9C957-60E0-5446-BC82-28A24A92F710}"/>
+                <a16:creationId xmlns:a16="http://schemas.microsoft.com/office/drawing/2014/main" xmlns="" id="{94C9C957-60E0-5446-BC82-28A24A92F710}"/>
               </a:ext>
             </a:extLst>
           </p:cNvPr>
@@ -9598,7 +9603,7 @@
           <p:cNvPr id="12" name="Straight Arrow Connector 11">
             <a:extLst>
               <a:ext uri="{FF2B5EF4-FFF2-40B4-BE49-F238E27FC236}">
-                <a16:creationId xmlns:a16="http://schemas.microsoft.com/office/drawing/2014/main" id="{5578D870-C635-B848-BAFF-84B20A6706A6}"/>
+                <a16:creationId xmlns:a16="http://schemas.microsoft.com/office/drawing/2014/main" xmlns="" id="{5578D870-C635-B848-BAFF-84B20A6706A6}"/>
               </a:ext>
             </a:extLst>
           </p:cNvPr>
@@ -9640,7 +9645,7 @@
           <p:cNvPr id="14" name="Straight Arrow Connector 13">
             <a:extLst>
               <a:ext uri="{FF2B5EF4-FFF2-40B4-BE49-F238E27FC236}">
-                <a16:creationId xmlns:a16="http://schemas.microsoft.com/office/drawing/2014/main" id="{D1C57493-F79A-1647-BC52-79BCB6FEF33E}"/>
+                <a16:creationId xmlns:a16="http://schemas.microsoft.com/office/drawing/2014/main" xmlns="" id="{D1C57493-F79A-1647-BC52-79BCB6FEF33E}"/>
               </a:ext>
             </a:extLst>
           </p:cNvPr>
@@ -9683,7 +9688,7 @@
           <p:cNvPr id="15" name="TextBox 14">
             <a:extLst>
               <a:ext uri="{FF2B5EF4-FFF2-40B4-BE49-F238E27FC236}">
-                <a16:creationId xmlns:a16="http://schemas.microsoft.com/office/drawing/2014/main" id="{0AE6BC5E-8B7B-184B-9B31-FEED1BBD5EB5}"/>
+                <a16:creationId xmlns:a16="http://schemas.microsoft.com/office/drawing/2014/main" xmlns="" id="{0AE6BC5E-8B7B-184B-9B31-FEED1BBD5EB5}"/>
               </a:ext>
             </a:extLst>
           </p:cNvPr>
@@ -9722,7 +9727,7 @@
           <p:cNvPr id="17" name="Rectangle 16">
             <a:extLst>
               <a:ext uri="{FF2B5EF4-FFF2-40B4-BE49-F238E27FC236}">
-                <a16:creationId xmlns:a16="http://schemas.microsoft.com/office/drawing/2014/main" id="{E2B2FF96-DA7D-6C44-8A5B-3ACE6A7BD500}"/>
+                <a16:creationId xmlns:a16="http://schemas.microsoft.com/office/drawing/2014/main" xmlns="" id="{E2B2FF96-DA7D-6C44-8A5B-3ACE6A7BD500}"/>
               </a:ext>
             </a:extLst>
           </p:cNvPr>
@@ -9770,7 +9775,7 @@
           <p:cNvPr id="19" name="Rectangle 18">
             <a:extLst>
               <a:ext uri="{FF2B5EF4-FFF2-40B4-BE49-F238E27FC236}">
-                <a16:creationId xmlns:a16="http://schemas.microsoft.com/office/drawing/2014/main" id="{B9045FC3-3D14-004D-A777-1A10E211DE3E}"/>
+                <a16:creationId xmlns:a16="http://schemas.microsoft.com/office/drawing/2014/main" xmlns="" id="{B9045FC3-3D14-004D-A777-1A10E211DE3E}"/>
               </a:ext>
             </a:extLst>
           </p:cNvPr>
@@ -9821,7 +9826,7 @@
           <p:cNvPr id="20" name="Straight Arrow Connector 19">
             <a:extLst>
               <a:ext uri="{FF2B5EF4-FFF2-40B4-BE49-F238E27FC236}">
-                <a16:creationId xmlns:a16="http://schemas.microsoft.com/office/drawing/2014/main" id="{F860717F-242F-E144-B491-E59BA079DFE1}"/>
+                <a16:creationId xmlns:a16="http://schemas.microsoft.com/office/drawing/2014/main" xmlns="" id="{F860717F-242F-E144-B491-E59BA079DFE1}"/>
               </a:ext>
             </a:extLst>
           </p:cNvPr>
@@ -9864,7 +9869,7 @@
           <p:cNvPr id="39" name="Rectangle 38">
             <a:extLst>
               <a:ext uri="{FF2B5EF4-FFF2-40B4-BE49-F238E27FC236}">
-                <a16:creationId xmlns:a16="http://schemas.microsoft.com/office/drawing/2014/main" id="{89D77961-6D7F-4D4E-8767-80640E08C29F}"/>
+                <a16:creationId xmlns:a16="http://schemas.microsoft.com/office/drawing/2014/main" xmlns="" id="{89D77961-6D7F-4D4E-8767-80640E08C29F}"/>
               </a:ext>
             </a:extLst>
           </p:cNvPr>
@@ -9911,7 +9916,7 @@
           <p:cNvPr id="41" name="Straight Arrow Connector 40">
             <a:extLst>
               <a:ext uri="{FF2B5EF4-FFF2-40B4-BE49-F238E27FC236}">
-                <a16:creationId xmlns:a16="http://schemas.microsoft.com/office/drawing/2014/main" id="{815982F6-A9EC-5D4C-B9BC-35F754D5683C}"/>
+                <a16:creationId xmlns:a16="http://schemas.microsoft.com/office/drawing/2014/main" xmlns="" id="{815982F6-A9EC-5D4C-B9BC-35F754D5683C}"/>
               </a:ext>
             </a:extLst>
           </p:cNvPr>
@@ -9956,7 +9961,7 @@
           <p:cNvPr id="43" name="Straight Arrow Connector 42">
             <a:extLst>
               <a:ext uri="{FF2B5EF4-FFF2-40B4-BE49-F238E27FC236}">
-                <a16:creationId xmlns:a16="http://schemas.microsoft.com/office/drawing/2014/main" id="{6FC55DEC-5C40-864A-ACA2-32AD50D066F0}"/>
+                <a16:creationId xmlns:a16="http://schemas.microsoft.com/office/drawing/2014/main" xmlns="" id="{6FC55DEC-5C40-864A-ACA2-32AD50D066F0}"/>
               </a:ext>
             </a:extLst>
           </p:cNvPr>
@@ -9999,7 +10004,7 @@
           <p:cNvPr id="35" name="Straight Arrow Connector 34">
             <a:extLst>
               <a:ext uri="{FF2B5EF4-FFF2-40B4-BE49-F238E27FC236}">
-                <a16:creationId xmlns:a16="http://schemas.microsoft.com/office/drawing/2014/main" id="{E7351654-50DE-194B-900C-4E6EAA3A24DB}"/>
+                <a16:creationId xmlns:a16="http://schemas.microsoft.com/office/drawing/2014/main" xmlns="" id="{E7351654-50DE-194B-900C-4E6EAA3A24DB}"/>
               </a:ext>
             </a:extLst>
           </p:cNvPr>
@@ -10042,7 +10047,7 @@
           <p:cNvPr id="36" name="TextBox 35">
             <a:extLst>
               <a:ext uri="{FF2B5EF4-FFF2-40B4-BE49-F238E27FC236}">
-                <a16:creationId xmlns:a16="http://schemas.microsoft.com/office/drawing/2014/main" id="{2BCB8DF4-FD03-AC41-B42A-42A82AC96293}"/>
+                <a16:creationId xmlns:a16="http://schemas.microsoft.com/office/drawing/2014/main" xmlns="" id="{2BCB8DF4-FD03-AC41-B42A-42A82AC96293}"/>
               </a:ext>
             </a:extLst>
           </p:cNvPr>
@@ -10077,7 +10082,7 @@
           <p:cNvPr id="44" name="Straight Arrow Connector 43">
             <a:extLst>
               <a:ext uri="{FF2B5EF4-FFF2-40B4-BE49-F238E27FC236}">
-                <a16:creationId xmlns:a16="http://schemas.microsoft.com/office/drawing/2014/main" id="{CCA0237F-0AAC-FC49-8059-7555C3F3F4E3}"/>
+                <a16:creationId xmlns:a16="http://schemas.microsoft.com/office/drawing/2014/main" xmlns="" id="{CCA0237F-0AAC-FC49-8059-7555C3F3F4E3}"/>
               </a:ext>
             </a:extLst>
           </p:cNvPr>
@@ -10118,7 +10123,7 @@
           <p:cNvPr id="53" name="TextBox 52">
             <a:extLst>
               <a:ext uri="{FF2B5EF4-FFF2-40B4-BE49-F238E27FC236}">
-                <a16:creationId xmlns:a16="http://schemas.microsoft.com/office/drawing/2014/main" id="{775EACFF-D83C-A942-A068-A2E2682FE29B}"/>
+                <a16:creationId xmlns:a16="http://schemas.microsoft.com/office/drawing/2014/main" xmlns="" id="{775EACFF-D83C-A942-A068-A2E2682FE29B}"/>
               </a:ext>
             </a:extLst>
           </p:cNvPr>
@@ -10153,7 +10158,7 @@
           <p:cNvPr id="59" name="Rectangle 58">
             <a:extLst>
               <a:ext uri="{FF2B5EF4-FFF2-40B4-BE49-F238E27FC236}">
-                <a16:creationId xmlns:a16="http://schemas.microsoft.com/office/drawing/2014/main" id="{69284D02-AC72-0749-9B5C-F97493BFE933}"/>
+                <a16:creationId xmlns:a16="http://schemas.microsoft.com/office/drawing/2014/main" xmlns="" id="{69284D02-AC72-0749-9B5C-F97493BFE933}"/>
               </a:ext>
             </a:extLst>
           </p:cNvPr>
@@ -10200,7 +10205,7 @@
           <p:cNvPr id="72" name="Straight Arrow Connector 71">
             <a:extLst>
               <a:ext uri="{FF2B5EF4-FFF2-40B4-BE49-F238E27FC236}">
-                <a16:creationId xmlns:a16="http://schemas.microsoft.com/office/drawing/2014/main" id="{8B8F3B76-DB5A-A846-9178-764597F7A430}"/>
+                <a16:creationId xmlns:a16="http://schemas.microsoft.com/office/drawing/2014/main" xmlns="" id="{8B8F3B76-DB5A-A846-9178-764597F7A430}"/>
               </a:ext>
             </a:extLst>
           </p:cNvPr>
@@ -10242,7 +10247,7 @@
           <p:cNvPr id="74" name="Straight Arrow Connector 73">
             <a:extLst>
               <a:ext uri="{FF2B5EF4-FFF2-40B4-BE49-F238E27FC236}">
-                <a16:creationId xmlns:a16="http://schemas.microsoft.com/office/drawing/2014/main" id="{94567064-D68C-C94D-9F67-B1BDF6E267A1}"/>
+                <a16:creationId xmlns:a16="http://schemas.microsoft.com/office/drawing/2014/main" xmlns="" id="{94567064-D68C-C94D-9F67-B1BDF6E267A1}"/>
               </a:ext>
             </a:extLst>
           </p:cNvPr>
@@ -10285,7 +10290,7 @@
           <p:cNvPr id="77" name="TextBox 76">
             <a:extLst>
               <a:ext uri="{FF2B5EF4-FFF2-40B4-BE49-F238E27FC236}">
-                <a16:creationId xmlns:a16="http://schemas.microsoft.com/office/drawing/2014/main" id="{943A29A3-DAC8-E64B-A93C-548FC22A4815}"/>
+                <a16:creationId xmlns:a16="http://schemas.microsoft.com/office/drawing/2014/main" xmlns="" id="{943A29A3-DAC8-E64B-A93C-548FC22A4815}"/>
               </a:ext>
             </a:extLst>
           </p:cNvPr>
@@ -10320,7 +10325,7 @@
           <p:cNvPr id="81" name="Rectangle 80">
             <a:extLst>
               <a:ext uri="{FF2B5EF4-FFF2-40B4-BE49-F238E27FC236}">
-                <a16:creationId xmlns:a16="http://schemas.microsoft.com/office/drawing/2014/main" id="{6A1356E5-DCF9-AE45-A11A-36C685A62053}"/>
+                <a16:creationId xmlns:a16="http://schemas.microsoft.com/office/drawing/2014/main" xmlns="" id="{6A1356E5-DCF9-AE45-A11A-36C685A62053}"/>
               </a:ext>
             </a:extLst>
           </p:cNvPr>
@@ -10355,7 +10360,7 @@
           <p:cNvPr id="83" name="Straight Arrow Connector 82">
             <a:extLst>
               <a:ext uri="{FF2B5EF4-FFF2-40B4-BE49-F238E27FC236}">
-                <a16:creationId xmlns:a16="http://schemas.microsoft.com/office/drawing/2014/main" id="{E0871FB8-38C7-5749-A810-DCAB56CF01D1}"/>
+                <a16:creationId xmlns:a16="http://schemas.microsoft.com/office/drawing/2014/main" xmlns="" id="{E0871FB8-38C7-5749-A810-DCAB56CF01D1}"/>
               </a:ext>
             </a:extLst>
           </p:cNvPr>
@@ -10396,7 +10401,7 @@
           <p:cNvPr id="84" name="TextBox 83">
             <a:extLst>
               <a:ext uri="{FF2B5EF4-FFF2-40B4-BE49-F238E27FC236}">
-                <a16:creationId xmlns:a16="http://schemas.microsoft.com/office/drawing/2014/main" id="{7508ED32-C83C-3C45-8CE7-ECF8578206B9}"/>
+                <a16:creationId xmlns:a16="http://schemas.microsoft.com/office/drawing/2014/main" xmlns="" id="{7508ED32-C83C-3C45-8CE7-ECF8578206B9}"/>
               </a:ext>
             </a:extLst>
           </p:cNvPr>
@@ -10431,7 +10436,7 @@
           <p:cNvPr id="85" name="Rectangle 84">
             <a:extLst>
               <a:ext uri="{FF2B5EF4-FFF2-40B4-BE49-F238E27FC236}">
-                <a16:creationId xmlns:a16="http://schemas.microsoft.com/office/drawing/2014/main" id="{F5FD06E6-DC51-E749-92B5-19561AB253DE}"/>
+                <a16:creationId xmlns:a16="http://schemas.microsoft.com/office/drawing/2014/main" xmlns="" id="{F5FD06E6-DC51-E749-92B5-19561AB253DE}"/>
               </a:ext>
             </a:extLst>
           </p:cNvPr>
@@ -10465,7 +10470,7 @@
           <p:cNvPr id="87" name="Straight Arrow Connector 86">
             <a:extLst>
               <a:ext uri="{FF2B5EF4-FFF2-40B4-BE49-F238E27FC236}">
-                <a16:creationId xmlns:a16="http://schemas.microsoft.com/office/drawing/2014/main" id="{A3BB72F0-1CB6-814C-8069-569BD7112924}"/>
+                <a16:creationId xmlns:a16="http://schemas.microsoft.com/office/drawing/2014/main" xmlns="" id="{A3BB72F0-1CB6-814C-8069-569BD7112924}"/>
               </a:ext>
             </a:extLst>
           </p:cNvPr>
@@ -10506,7 +10511,7 @@
           <p:cNvPr id="88" name="Rectangle 87">
             <a:extLst>
               <a:ext uri="{FF2B5EF4-FFF2-40B4-BE49-F238E27FC236}">
-                <a16:creationId xmlns:a16="http://schemas.microsoft.com/office/drawing/2014/main" id="{F13F2F3C-1C06-7B40-A99C-92C640EAD63A}"/>
+                <a16:creationId xmlns:a16="http://schemas.microsoft.com/office/drawing/2014/main" xmlns="" id="{F13F2F3C-1C06-7B40-A99C-92C640EAD63A}"/>
               </a:ext>
             </a:extLst>
           </p:cNvPr>
@@ -10561,7 +10566,7 @@
           <p:cNvPr id="90" name="Straight Arrow Connector 89">
             <a:extLst>
               <a:ext uri="{FF2B5EF4-FFF2-40B4-BE49-F238E27FC236}">
-                <a16:creationId xmlns:a16="http://schemas.microsoft.com/office/drawing/2014/main" id="{127E1781-BAA2-504C-873D-CC2E57A16DEC}"/>
+                <a16:creationId xmlns:a16="http://schemas.microsoft.com/office/drawing/2014/main" xmlns="" id="{127E1781-BAA2-504C-873D-CC2E57A16DEC}"/>
               </a:ext>
             </a:extLst>
           </p:cNvPr>
@@ -10603,7 +10608,7 @@
           <p:cNvPr id="92" name="TextBox 91">
             <a:extLst>
               <a:ext uri="{FF2B5EF4-FFF2-40B4-BE49-F238E27FC236}">
-                <a16:creationId xmlns:a16="http://schemas.microsoft.com/office/drawing/2014/main" id="{0FDD23D0-71B9-224D-8FC7-FFFB3A17ACE8}"/>
+                <a16:creationId xmlns:a16="http://schemas.microsoft.com/office/drawing/2014/main" xmlns="" id="{0FDD23D0-71B9-224D-8FC7-FFFB3A17ACE8}"/>
               </a:ext>
             </a:extLst>
           </p:cNvPr>
@@ -10638,7 +10643,7 @@
           <p:cNvPr id="112" name="Straight Arrow Connector 111">
             <a:extLst>
               <a:ext uri="{FF2B5EF4-FFF2-40B4-BE49-F238E27FC236}">
-                <a16:creationId xmlns:a16="http://schemas.microsoft.com/office/drawing/2014/main" id="{88EF64E1-0FEE-CC4C-9127-A9F50E1FEBF9}"/>
+                <a16:creationId xmlns:a16="http://schemas.microsoft.com/office/drawing/2014/main" xmlns="" id="{88EF64E1-0FEE-CC4C-9127-A9F50E1FEBF9}"/>
               </a:ext>
             </a:extLst>
           </p:cNvPr>
@@ -10683,7 +10688,7 @@
           <p:cNvPr id="128" name="TextBox 127">
             <a:extLst>
               <a:ext uri="{FF2B5EF4-FFF2-40B4-BE49-F238E27FC236}">
-                <a16:creationId xmlns:a16="http://schemas.microsoft.com/office/drawing/2014/main" id="{69433007-0A91-9045-B536-E681E5AAAD3E}"/>
+                <a16:creationId xmlns:a16="http://schemas.microsoft.com/office/drawing/2014/main" xmlns="" id="{69433007-0A91-9045-B536-E681E5AAAD3E}"/>
               </a:ext>
             </a:extLst>
           </p:cNvPr>
@@ -10998,7 +11003,7 @@
           <p:cNvPr id="8" name="Chart 7">
             <a:extLst>
               <a:ext uri="{FF2B5EF4-FFF2-40B4-BE49-F238E27FC236}">
-                <a16:creationId xmlns:a16="http://schemas.microsoft.com/office/drawing/2014/main" id="{AC1246DB-691A-3545-859D-62A5A0651F92}"/>
+                <a16:creationId xmlns:a16="http://schemas.microsoft.com/office/drawing/2014/main" xmlns="" id="{AC1246DB-691A-3545-859D-62A5A0651F92}"/>
               </a:ext>
             </a:extLst>
           </p:cNvPr>
@@ -11118,7 +11123,7 @@
           <p:cNvPr id="7" name="Chart 6">
             <a:extLst>
               <a:ext uri="{FF2B5EF4-FFF2-40B4-BE49-F238E27FC236}">
-                <a16:creationId xmlns:a16="http://schemas.microsoft.com/office/drawing/2014/main" id="{8CB1471C-A64C-654C-8BBF-5512DF86567A}"/>
+                <a16:creationId xmlns:a16="http://schemas.microsoft.com/office/drawing/2014/main" xmlns="" id="{8CB1471C-A64C-654C-8BBF-5512DF86567A}"/>
               </a:ext>
             </a:extLst>
           </p:cNvPr>
@@ -13778,7 +13783,7 @@
           <p:cNvPr id="6" name="Rectangle 5">
             <a:extLst>
               <a:ext uri="{FF2B5EF4-FFF2-40B4-BE49-F238E27FC236}">
-                <a16:creationId xmlns:a16="http://schemas.microsoft.com/office/drawing/2014/main" id="{FEF3F0DC-F6DF-2F4B-98DC-5136E6000BEC}"/>
+                <a16:creationId xmlns:a16="http://schemas.microsoft.com/office/drawing/2014/main" xmlns="" id="{FEF3F0DC-F6DF-2F4B-98DC-5136E6000BEC}"/>
               </a:ext>
             </a:extLst>
           </p:cNvPr>
@@ -13826,7 +13831,7 @@
           <p:cNvPr id="10" name="Rectangle 9">
             <a:extLst>
               <a:ext uri="{FF2B5EF4-FFF2-40B4-BE49-F238E27FC236}">
-                <a16:creationId xmlns:a16="http://schemas.microsoft.com/office/drawing/2014/main" id="{5A81EC3A-273E-0143-854A-4D16850F752D}"/>
+                <a16:creationId xmlns:a16="http://schemas.microsoft.com/office/drawing/2014/main" xmlns="" id="{5A81EC3A-273E-0143-854A-4D16850F752D}"/>
               </a:ext>
             </a:extLst>
           </p:cNvPr>
@@ -13878,7 +13883,7 @@
           <p:cNvPr id="11" name="Rectangle 10">
             <a:extLst>
               <a:ext uri="{FF2B5EF4-FFF2-40B4-BE49-F238E27FC236}">
-                <a16:creationId xmlns:a16="http://schemas.microsoft.com/office/drawing/2014/main" id="{94C9C957-60E0-5446-BC82-28A24A92F710}"/>
+                <a16:creationId xmlns:a16="http://schemas.microsoft.com/office/drawing/2014/main" xmlns="" id="{94C9C957-60E0-5446-BC82-28A24A92F710}"/>
               </a:ext>
             </a:extLst>
           </p:cNvPr>
@@ -13925,7 +13930,7 @@
           <p:cNvPr id="12" name="Straight Arrow Connector 11">
             <a:extLst>
               <a:ext uri="{FF2B5EF4-FFF2-40B4-BE49-F238E27FC236}">
-                <a16:creationId xmlns:a16="http://schemas.microsoft.com/office/drawing/2014/main" id="{5578D870-C635-B848-BAFF-84B20A6706A6}"/>
+                <a16:creationId xmlns:a16="http://schemas.microsoft.com/office/drawing/2014/main" xmlns="" id="{5578D870-C635-B848-BAFF-84B20A6706A6}"/>
               </a:ext>
             </a:extLst>
           </p:cNvPr>
@@ -13967,7 +13972,7 @@
           <p:cNvPr id="14" name="Straight Arrow Connector 13">
             <a:extLst>
               <a:ext uri="{FF2B5EF4-FFF2-40B4-BE49-F238E27FC236}">
-                <a16:creationId xmlns:a16="http://schemas.microsoft.com/office/drawing/2014/main" id="{D1C57493-F79A-1647-BC52-79BCB6FEF33E}"/>
+                <a16:creationId xmlns:a16="http://schemas.microsoft.com/office/drawing/2014/main" xmlns="" id="{D1C57493-F79A-1647-BC52-79BCB6FEF33E}"/>
               </a:ext>
             </a:extLst>
           </p:cNvPr>
@@ -14009,7 +14014,7 @@
           <p:cNvPr id="15" name="TextBox 14">
             <a:extLst>
               <a:ext uri="{FF2B5EF4-FFF2-40B4-BE49-F238E27FC236}">
-                <a16:creationId xmlns:a16="http://schemas.microsoft.com/office/drawing/2014/main" id="{0AE6BC5E-8B7B-184B-9B31-FEED1BBD5EB5}"/>
+                <a16:creationId xmlns:a16="http://schemas.microsoft.com/office/drawing/2014/main" xmlns="" id="{0AE6BC5E-8B7B-184B-9B31-FEED1BBD5EB5}"/>
               </a:ext>
             </a:extLst>
           </p:cNvPr>
@@ -14072,7 +14077,7 @@
           <p:cNvPr id="17" name="Rectangle 16">
             <a:extLst>
               <a:ext uri="{FF2B5EF4-FFF2-40B4-BE49-F238E27FC236}">
-                <a16:creationId xmlns:a16="http://schemas.microsoft.com/office/drawing/2014/main" id="{E2B2FF96-DA7D-6C44-8A5B-3ACE6A7BD500}"/>
+                <a16:creationId xmlns:a16="http://schemas.microsoft.com/office/drawing/2014/main" xmlns="" id="{E2B2FF96-DA7D-6C44-8A5B-3ACE6A7BD500}"/>
               </a:ext>
             </a:extLst>
           </p:cNvPr>
@@ -14132,7 +14137,7 @@
           <p:cNvPr id="18" name="Rectangle 17">
             <a:extLst>
               <a:ext uri="{FF2B5EF4-FFF2-40B4-BE49-F238E27FC236}">
-                <a16:creationId xmlns:a16="http://schemas.microsoft.com/office/drawing/2014/main" id="{F5920B13-D09C-6941-B6B0-C819258DD062}"/>
+                <a16:creationId xmlns:a16="http://schemas.microsoft.com/office/drawing/2014/main" xmlns="" id="{F5920B13-D09C-6941-B6B0-C819258DD062}"/>
               </a:ext>
             </a:extLst>
           </p:cNvPr>
@@ -14183,7 +14188,7 @@
           <p:cNvPr id="19" name="Rectangle 18">
             <a:extLst>
               <a:ext uri="{FF2B5EF4-FFF2-40B4-BE49-F238E27FC236}">
-                <a16:creationId xmlns:a16="http://schemas.microsoft.com/office/drawing/2014/main" id="{B9045FC3-3D14-004D-A777-1A10E211DE3E}"/>
+                <a16:creationId xmlns:a16="http://schemas.microsoft.com/office/drawing/2014/main" xmlns="" id="{B9045FC3-3D14-004D-A777-1A10E211DE3E}"/>
               </a:ext>
             </a:extLst>
           </p:cNvPr>
@@ -14243,7 +14248,7 @@
           <p:cNvPr id="20" name="Straight Arrow Connector 19">
             <a:extLst>
               <a:ext uri="{FF2B5EF4-FFF2-40B4-BE49-F238E27FC236}">
-                <a16:creationId xmlns:a16="http://schemas.microsoft.com/office/drawing/2014/main" id="{F860717F-242F-E144-B491-E59BA079DFE1}"/>
+                <a16:creationId xmlns:a16="http://schemas.microsoft.com/office/drawing/2014/main" xmlns="" id="{F860717F-242F-E144-B491-E59BA079DFE1}"/>
               </a:ext>
             </a:extLst>
           </p:cNvPr>
@@ -14286,7 +14291,7 @@
           <p:cNvPr id="27" name="Straight Arrow Connector 26">
             <a:extLst>
               <a:ext uri="{FF2B5EF4-FFF2-40B4-BE49-F238E27FC236}">
-                <a16:creationId xmlns:a16="http://schemas.microsoft.com/office/drawing/2014/main" id="{6CDDA4EA-184D-8F40-87DE-19B1DBEA588D}"/>
+                <a16:creationId xmlns:a16="http://schemas.microsoft.com/office/drawing/2014/main" xmlns="" id="{6CDDA4EA-184D-8F40-87DE-19B1DBEA588D}"/>
               </a:ext>
             </a:extLst>
           </p:cNvPr>
@@ -14328,7 +14333,7 @@
           <p:cNvPr id="29" name="Straight Arrow Connector 28">
             <a:extLst>
               <a:ext uri="{FF2B5EF4-FFF2-40B4-BE49-F238E27FC236}">
-                <a16:creationId xmlns:a16="http://schemas.microsoft.com/office/drawing/2014/main" id="{50788B7E-B0DE-434C-8E1C-6B166AE443F5}"/>
+                <a16:creationId xmlns:a16="http://schemas.microsoft.com/office/drawing/2014/main" xmlns="" id="{50788B7E-B0DE-434C-8E1C-6B166AE443F5}"/>
               </a:ext>
             </a:extLst>
           </p:cNvPr>
@@ -14370,7 +14375,7 @@
           <p:cNvPr id="31" name="Straight Arrow Connector 30">
             <a:extLst>
               <a:ext uri="{FF2B5EF4-FFF2-40B4-BE49-F238E27FC236}">
-                <a16:creationId xmlns:a16="http://schemas.microsoft.com/office/drawing/2014/main" id="{E036C8A6-8746-FA4A-8535-BED71BFA3F24}"/>
+                <a16:creationId xmlns:a16="http://schemas.microsoft.com/office/drawing/2014/main" xmlns="" id="{E036C8A6-8746-FA4A-8535-BED71BFA3F24}"/>
               </a:ext>
             </a:extLst>
           </p:cNvPr>
@@ -14413,7 +14418,7 @@
           <p:cNvPr id="39" name="Rectangle 38">
             <a:extLst>
               <a:ext uri="{FF2B5EF4-FFF2-40B4-BE49-F238E27FC236}">
-                <a16:creationId xmlns:a16="http://schemas.microsoft.com/office/drawing/2014/main" id="{89D77961-6D7F-4D4E-8767-80640E08C29F}"/>
+                <a16:creationId xmlns:a16="http://schemas.microsoft.com/office/drawing/2014/main" xmlns="" id="{89D77961-6D7F-4D4E-8767-80640E08C29F}"/>
               </a:ext>
             </a:extLst>
           </p:cNvPr>
@@ -14464,7 +14469,7 @@
           <p:cNvPr id="41" name="Straight Arrow Connector 40">
             <a:extLst>
               <a:ext uri="{FF2B5EF4-FFF2-40B4-BE49-F238E27FC236}">
-                <a16:creationId xmlns:a16="http://schemas.microsoft.com/office/drawing/2014/main" id="{815982F6-A9EC-5D4C-B9BC-35F754D5683C}"/>
+                <a16:creationId xmlns:a16="http://schemas.microsoft.com/office/drawing/2014/main" xmlns="" id="{815982F6-A9EC-5D4C-B9BC-35F754D5683C}"/>
               </a:ext>
             </a:extLst>
           </p:cNvPr>
@@ -14506,7 +14511,7 @@
           <p:cNvPr id="43" name="Straight Arrow Connector 42">
             <a:extLst>
               <a:ext uri="{FF2B5EF4-FFF2-40B4-BE49-F238E27FC236}">
-                <a16:creationId xmlns:a16="http://schemas.microsoft.com/office/drawing/2014/main" id="{6FC55DEC-5C40-864A-ACA2-32AD50D066F0}"/>
+                <a16:creationId xmlns:a16="http://schemas.microsoft.com/office/drawing/2014/main" xmlns="" id="{6FC55DEC-5C40-864A-ACA2-32AD50D066F0}"/>
               </a:ext>
             </a:extLst>
           </p:cNvPr>
@@ -14549,7 +14554,7 @@
           <p:cNvPr id="52" name="TextBox 51">
             <a:extLst>
               <a:ext uri="{FF2B5EF4-FFF2-40B4-BE49-F238E27FC236}">
-                <a16:creationId xmlns:a16="http://schemas.microsoft.com/office/drawing/2014/main" id="{A4F8577B-6659-9F44-B673-7C3B72CABD9B}"/>
+                <a16:creationId xmlns:a16="http://schemas.microsoft.com/office/drawing/2014/main" xmlns="" id="{A4F8577B-6659-9F44-B673-7C3B72CABD9B}"/>
               </a:ext>
             </a:extLst>
           </p:cNvPr>
